--- a/doc/winter_quarter_presentation.pptx
+++ b/doc/winter_quarter_presentation.pptx
@@ -199,7 +199,8 @@
           <a:p>
             <a:fld id="{132F18A9-51DA-6A43-BB36-FA5764556C53}" type="datetimeFigureOut">
               <a:rPr lang="en-US" smtClean="0"/>
-              <a:t>1/10/12</a:t>
+              <a:pPr/>
+              <a:t>1/11/2012</a:t>
             </a:fld>
             <a:endParaRPr lang="en-US"/>
           </a:p>
@@ -358,6 +359,7 @@
           <a:p>
             <a:fld id="{4B63FCE5-717F-3B46-A69D-B8B1230B7F2F}" type="slidenum">
               <a:rPr lang="en-US" smtClean="0"/>
+              <a:pPr/>
               <a:t>‹#›</a:t>
             </a:fld>
             <a:endParaRPr lang="en-US"/>
@@ -367,7 +369,7 @@
     </p:spTree>
     <p:extLst>
       <p:ext uri="{BB962C8B-B14F-4D97-AF65-F5344CB8AC3E}">
-        <p14:creationId xmlns:p14="http://schemas.microsoft.com/office/powerpoint/2010/main" val="154004659"/>
+        <p14:creationId xmlns:p14="http://schemas.microsoft.com/office/powerpoint/2010/main" xmlns="" val="154004659"/>
       </p:ext>
     </p:extLst>
   </p:cSld>
@@ -523,7 +525,45 @@
           <a:p>
             <a:r>
               <a:rPr lang="en-US" baseline="0" dirty="0" smtClean="0"/>
-              <a:t>Will talk about algorithms later</a:t>
+              <a:t>Will talk about algorithms </a:t>
+            </a:r>
+            <a:r>
+              <a:rPr lang="en-US" baseline="0" dirty="0" smtClean="0"/>
+              <a:t>later</a:t>
+            </a:r>
+          </a:p>
+          <a:p>
+            <a:endParaRPr lang="en-US" baseline="0" dirty="0" smtClean="0"/>
+          </a:p>
+          <a:p>
+            <a:r>
+              <a:rPr lang="en-US" baseline="0" smtClean="0"/>
+              <a:t>MVC = model view controller</a:t>
+            </a:r>
+          </a:p>
+          <a:p>
+            <a:endParaRPr lang="en-US" baseline="0" dirty="0" smtClean="0"/>
+          </a:p>
+          <a:p>
+            <a:r>
+              <a:rPr lang="en-US" baseline="0" dirty="0" smtClean="0"/>
+              <a:t>The idea is pretty straight forward.  We use views to navigate the user through the control flow.  Each view will have a specific function such as </a:t>
+            </a:r>
+            <a:r>
+              <a:rPr lang="en-US" baseline="0" dirty="0" err="1" smtClean="0"/>
+              <a:t>inputing</a:t>
+            </a:r>
+            <a:r>
+              <a:rPr lang="en-US" baseline="0" dirty="0" smtClean="0"/>
+              <a:t> data or rearranging bullet points.  Most of the work, however will be run in the background. For larger tasks we are implementing “engines” which will be passed the necessary data to run in the </a:t>
+            </a:r>
+            <a:r>
+              <a:rPr lang="en-US" baseline="0" dirty="0" err="1" smtClean="0"/>
+              <a:t>basckground</a:t>
+            </a:r>
+            <a:r>
+              <a:rPr lang="en-US" baseline="0" dirty="0" smtClean="0"/>
+              <a:t>.</a:t>
             </a:r>
             <a:endParaRPr lang="en-US" dirty="0" smtClean="0"/>
           </a:p>
@@ -546,6 +586,7 @@
           <a:p>
             <a:fld id="{4B63FCE5-717F-3B46-A69D-B8B1230B7F2F}" type="slidenum">
               <a:rPr lang="en-US" smtClean="0"/>
+              <a:pPr/>
               <a:t>2</a:t>
             </a:fld>
             <a:endParaRPr lang="en-US"/>
@@ -555,7 +596,7 @@
     </p:spTree>
     <p:extLst>
       <p:ext uri="{BB962C8B-B14F-4D97-AF65-F5344CB8AC3E}">
-        <p14:creationId xmlns:p14="http://schemas.microsoft.com/office/powerpoint/2010/main" val="88864018"/>
+        <p14:creationId xmlns:p14="http://schemas.microsoft.com/office/powerpoint/2010/main" xmlns="" val="88864018"/>
       </p:ext>
     </p:extLst>
   </p:cSld>
@@ -615,7 +656,31 @@
             </a:r>
             <a:r>
               <a:rPr lang="en-US" baseline="0" dirty="0" smtClean="0"/>
-              <a:t> flow for clients (how it’s used)</a:t>
+              <a:t> flow for clients (how it’s used</a:t>
+            </a:r>
+            <a:r>
+              <a:rPr lang="en-US" baseline="0" dirty="0" smtClean="0"/>
+              <a:t>)</a:t>
+            </a:r>
+          </a:p>
+          <a:p>
+            <a:r>
+              <a:rPr lang="en-US" baseline="0" dirty="0" smtClean="0"/>
+              <a:t>The basic gist is that This is the views the user sees and all of the </a:t>
+            </a:r>
+            <a:r>
+              <a:rPr lang="en-US" baseline="0" dirty="0" err="1" smtClean="0"/>
+              <a:t>posible</a:t>
+            </a:r>
+            <a:r>
+              <a:rPr lang="en-US" baseline="0" dirty="0" smtClean="0"/>
+              <a:t> paths that the user can follow.</a:t>
+            </a:r>
+          </a:p>
+          <a:p>
+            <a:r>
+              <a:rPr lang="en-US" baseline="0" dirty="0" smtClean="0"/>
+              <a:t>We use this guide to make the storyboard flow which has become our prototype and will lead to our app.</a:t>
             </a:r>
             <a:endParaRPr lang="en-US" dirty="0"/>
           </a:p>
@@ -638,6 +703,7 @@
           <a:p>
             <a:fld id="{4B63FCE5-717F-3B46-A69D-B8B1230B7F2F}" type="slidenum">
               <a:rPr lang="en-US" smtClean="0"/>
+              <a:pPr/>
               <a:t>3</a:t>
             </a:fld>
             <a:endParaRPr lang="en-US"/>
@@ -647,7 +713,7 @@
     </p:spTree>
     <p:extLst>
       <p:ext uri="{BB962C8B-B14F-4D97-AF65-F5344CB8AC3E}">
-        <p14:creationId xmlns:p14="http://schemas.microsoft.com/office/powerpoint/2010/main" val="2670760965"/>
+        <p14:creationId xmlns:p14="http://schemas.microsoft.com/office/powerpoint/2010/main" xmlns="" val="2670760965"/>
       </p:ext>
     </p:extLst>
   </p:cSld>
@@ -730,6 +796,7 @@
           <a:p>
             <a:fld id="{4B63FCE5-717F-3B46-A69D-B8B1230B7F2F}" type="slidenum">
               <a:rPr lang="en-US" smtClean="0"/>
+              <a:pPr/>
               <a:t>4</a:t>
             </a:fld>
             <a:endParaRPr lang="en-US"/>
@@ -739,7 +806,7 @@
     </p:spTree>
     <p:extLst>
       <p:ext uri="{BB962C8B-B14F-4D97-AF65-F5344CB8AC3E}">
-        <p14:creationId xmlns:p14="http://schemas.microsoft.com/office/powerpoint/2010/main" val="2612294640"/>
+        <p14:creationId xmlns:p14="http://schemas.microsoft.com/office/powerpoint/2010/main" xmlns="" val="2612294640"/>
       </p:ext>
     </p:extLst>
   </p:cSld>
@@ -809,7 +876,7 @@
             <a:fld id="{2233D26B-DFC2-4248-8ED0-AD3E108CBDD7}" type="datetime1">
               <a:rPr lang="en-US" smtClean="0"/>
               <a:pPr/>
-              <a:t>1/10/12</a:t>
+              <a:t>1/11/2012</a:t>
             </a:fld>
             <a:endParaRPr lang="en-US" dirty="0"/>
           </a:p>
@@ -1127,7 +1194,7 @@
             <a:fld id="{E694C003-38E8-486A-9BFD-47E55D87241C}" type="datetime1">
               <a:rPr lang="en-US" smtClean="0"/>
               <a:pPr/>
-              <a:t>1/10/12</a:t>
+              <a:t>1/11/2012</a:t>
             </a:fld>
             <a:endParaRPr lang="en-US" dirty="0"/>
           </a:p>
@@ -1304,7 +1371,7 @@
             <a:fld id="{E059EAA3-934B-41DB-B3B1-806F4BE5CC37}" type="datetime1">
               <a:rPr lang="en-US" smtClean="0"/>
               <a:pPr/>
-              <a:t>1/10/12</a:t>
+              <a:t>1/11/2012</a:t>
             </a:fld>
             <a:endParaRPr lang="en-US" dirty="0"/>
           </a:p>
@@ -1424,7 +1491,7 @@
             <a:fld id="{8F97F932-D99A-4087-BFB1-EA42FAFC8D2C}" type="datetime1">
               <a:rPr lang="en-US" smtClean="0"/>
               <a:pPr/>
-              <a:t>1/10/12</a:t>
+              <a:t>1/11/2012</a:t>
             </a:fld>
             <a:endParaRPr lang="en-US" dirty="0"/>
           </a:p>
@@ -1724,7 +1791,7 @@
             <a:fld id="{79C96367-2F2B-4F6E-ACF4-15FA13738E10}" type="datetime1">
               <a:rPr lang="en-US" smtClean="0"/>
               <a:pPr/>
-              <a:t>1/10/12</a:t>
+              <a:t>1/11/2012</a:t>
             </a:fld>
             <a:endParaRPr lang="en-US" dirty="0"/>
           </a:p>
@@ -2019,7 +2086,7 @@
             <a:fld id="{8FB3498D-21C7-408B-8EF5-5B55DEF0BFD5}" type="datetime1">
               <a:rPr lang="en-US" smtClean="0"/>
               <a:pPr/>
-              <a:t>1/10/12</a:t>
+              <a:t>1/11/2012</a:t>
             </a:fld>
             <a:endParaRPr lang="en-US" dirty="0"/>
           </a:p>
@@ -2449,7 +2516,7 @@
             <a:fld id="{84DB246E-8FD1-42FF-94A4-E4133095C37A}" type="datetime1">
               <a:rPr lang="en-US" smtClean="0"/>
               <a:pPr/>
-              <a:t>1/10/12</a:t>
+              <a:t>1/11/2012</a:t>
             </a:fld>
             <a:endParaRPr lang="en-US" dirty="0"/>
           </a:p>
@@ -2569,7 +2636,7 @@
             <a:fld id="{A93939D4-B818-4372-B1EE-7CB6D5BBC74A}" type="datetime1">
               <a:rPr lang="en-US" smtClean="0"/>
               <a:pPr/>
-              <a:t>1/10/12</a:t>
+              <a:t>1/11/2012</a:t>
             </a:fld>
             <a:endParaRPr lang="en-US" dirty="0"/>
           </a:p>
@@ -2661,7 +2728,7 @@
             <a:fld id="{2F35E438-4D0D-4834-B658-A90420491D98}" type="datetime1">
               <a:rPr lang="en-US" smtClean="0"/>
               <a:pPr/>
-              <a:t>1/10/12</a:t>
+              <a:t>1/11/2012</a:t>
             </a:fld>
             <a:endParaRPr lang="en-US" dirty="0"/>
           </a:p>
@@ -2913,7 +2980,7 @@
             <a:fld id="{76F8ADFA-7142-4015-85E6-1712F15FA709}" type="datetime1">
               <a:rPr lang="en-US" smtClean="0"/>
               <a:pPr/>
-              <a:t>1/10/12</a:t>
+              <a:t>1/11/2012</a:t>
             </a:fld>
             <a:endParaRPr lang="en-US" dirty="0"/>
           </a:p>
@@ -3431,7 +3498,7 @@
             <a:fld id="{34A581E0-D653-4D78-A48F-41D80498BC7E}" type="datetime1">
               <a:rPr lang="en-US" smtClean="0"/>
               <a:pPr/>
-              <a:t>1/10/12</a:t>
+              <a:t>1/11/2012</a:t>
             </a:fld>
             <a:endParaRPr lang="en-US" dirty="0"/>
           </a:p>
@@ -3663,7 +3730,7 @@
             <a:fld id="{8B3AFFF1-9C47-49F0-AE12-AF188F3F4E82}" type="datetime1">
               <a:rPr lang="en-US" smtClean="0"/>
               <a:pPr/>
-              <a:t>1/10/12</a:t>
+              <a:t>1/11/2012</a:t>
             </a:fld>
             <a:endParaRPr lang="en-US" dirty="0"/>
           </a:p>
@@ -4216,7 +4283,7 @@
     </p:spTree>
     <p:extLst>
       <p:ext uri="{BB962C8B-B14F-4D97-AF65-F5344CB8AC3E}">
-        <p14:creationId xmlns:p14="http://schemas.microsoft.com/office/powerpoint/2010/main" val="896442764"/>
+        <p14:creationId xmlns:p14="http://schemas.microsoft.com/office/powerpoint/2010/main" xmlns="" val="896442764"/>
       </p:ext>
     </p:extLst>
   </p:cSld>
@@ -4226,7 +4293,7 @@
   <p:timing>
     <p:tnLst>
       <p:par>
-        <p:cTn xmlns:p14="http://schemas.microsoft.com/office/powerpoint/2010/main" id="1" dur="indefinite" restart="never" nodeType="tmRoot"/>
+        <p:cTn id="1" dur="indefinite" restart="never" nodeType="tmRoot"/>
       </p:par>
     </p:tnLst>
   </p:timing>
@@ -4338,7 +4405,7 @@
     </p:spTree>
     <p:extLst>
       <p:ext uri="{BB962C8B-B14F-4D97-AF65-F5344CB8AC3E}">
-        <p14:creationId xmlns:p14="http://schemas.microsoft.com/office/powerpoint/2010/main" val="3869748282"/>
+        <p14:creationId xmlns:p14="http://schemas.microsoft.com/office/powerpoint/2010/main" xmlns="" val="3869748282"/>
       </p:ext>
     </p:extLst>
   </p:cSld>
@@ -4348,7 +4415,7 @@
   <p:timing>
     <p:tnLst>
       <p:par>
-        <p:cTn xmlns:p14="http://schemas.microsoft.com/office/powerpoint/2010/main" id="1" dur="indefinite" restart="never" nodeType="tmRoot"/>
+        <p:cTn id="1" dur="indefinite" restart="never" nodeType="tmRoot"/>
       </p:par>
     </p:tnLst>
   </p:timing>
@@ -4412,10 +4479,10 @@
           </p:nvPr>
         </p:nvPicPr>
         <p:blipFill>
-          <a:blip r:embed="rId3">
+          <a:blip r:embed="rId3" cstate="print">
             <a:extLst>
               <a:ext uri="{28A0092B-C50C-407E-A947-70E740481C1C}">
-                <a14:useLocalDpi xmlns:a14="http://schemas.microsoft.com/office/drawing/2010/main" val="0"/>
+                <a14:useLocalDpi xmlns:a14="http://schemas.microsoft.com/office/drawing/2010/main" xmlns="" val="0"/>
               </a:ext>
             </a:extLst>
           </a:blip>
@@ -4437,7 +4504,7 @@
     </p:spTree>
     <p:extLst>
       <p:ext uri="{BB962C8B-B14F-4D97-AF65-F5344CB8AC3E}">
-        <p14:creationId xmlns:p14="http://schemas.microsoft.com/office/powerpoint/2010/main" val="1301957777"/>
+        <p14:creationId xmlns:p14="http://schemas.microsoft.com/office/powerpoint/2010/main" xmlns="" val="1301957777"/>
       </p:ext>
     </p:extLst>
   </p:cSld>
@@ -4447,7 +4514,7 @@
   <p:timing>
     <p:tnLst>
       <p:par>
-        <p:cTn xmlns:p14="http://schemas.microsoft.com/office/powerpoint/2010/main" id="1" dur="indefinite" restart="never" nodeType="tmRoot"/>
+        <p:cTn id="1" dur="indefinite" restart="never" nodeType="tmRoot"/>
       </p:par>
     </p:tnLst>
   </p:timing>
@@ -4584,7 +4651,7 @@
     </p:spTree>
     <p:extLst>
       <p:ext uri="{BB962C8B-B14F-4D97-AF65-F5344CB8AC3E}">
-        <p14:creationId xmlns:p14="http://schemas.microsoft.com/office/powerpoint/2010/main" val="162784289"/>
+        <p14:creationId xmlns:p14="http://schemas.microsoft.com/office/powerpoint/2010/main" xmlns="" val="162784289"/>
       </p:ext>
     </p:extLst>
   </p:cSld>
@@ -4594,7 +4661,7 @@
   <p:timing>
     <p:tnLst>
       <p:par>
-        <p:cTn xmlns:p14="http://schemas.microsoft.com/office/powerpoint/2010/main" id="1" dur="indefinite" restart="never" nodeType="tmRoot"/>
+        <p:cTn id="1" dur="indefinite" restart="never" nodeType="tmRoot"/>
       </p:par>
     </p:tnLst>
   </p:timing>
@@ -4658,10 +4725,10 @@
           </p:nvPr>
         </p:nvPicPr>
         <p:blipFill>
-          <a:blip r:embed="rId2">
+          <a:blip r:embed="rId2" cstate="print">
             <a:extLst>
               <a:ext uri="{28A0092B-C50C-407E-A947-70E740481C1C}">
-                <a14:useLocalDpi xmlns:a14="http://schemas.microsoft.com/office/drawing/2010/main" val="0"/>
+                <a14:useLocalDpi xmlns:a14="http://schemas.microsoft.com/office/drawing/2010/main" xmlns="" val="0"/>
               </a:ext>
             </a:extLst>
           </a:blip>
@@ -4680,7 +4747,7 @@
     </p:spTree>
     <p:extLst>
       <p:ext uri="{BB962C8B-B14F-4D97-AF65-F5344CB8AC3E}">
-        <p14:creationId xmlns:p14="http://schemas.microsoft.com/office/powerpoint/2010/main" val="3320568816"/>
+        <p14:creationId xmlns:p14="http://schemas.microsoft.com/office/powerpoint/2010/main" xmlns="" val="3320568816"/>
       </p:ext>
     </p:extLst>
   </p:cSld>
@@ -4690,7 +4757,7 @@
   <p:timing>
     <p:tnLst>
       <p:par>
-        <p:cTn xmlns:p14="http://schemas.microsoft.com/office/powerpoint/2010/main" id="1" dur="indefinite" restart="never" nodeType="tmRoot"/>
+        <p:cTn id="1" dur="indefinite" restart="never" nodeType="tmRoot"/>
       </p:par>
     </p:tnLst>
   </p:timing>
@@ -4760,7 +4827,7 @@
     </p:spTree>
     <p:extLst>
       <p:ext uri="{BB962C8B-B14F-4D97-AF65-F5344CB8AC3E}">
-        <p14:creationId xmlns:p14="http://schemas.microsoft.com/office/powerpoint/2010/main" val="924730003"/>
+        <p14:creationId xmlns:p14="http://schemas.microsoft.com/office/powerpoint/2010/main" xmlns="" val="924730003"/>
       </p:ext>
     </p:extLst>
   </p:cSld>
@@ -4770,7 +4837,7 @@
   <p:timing>
     <p:tnLst>
       <p:par>
-        <p:cTn xmlns:p14="http://schemas.microsoft.com/office/powerpoint/2010/main" id="1" dur="indefinite" restart="never" nodeType="tmRoot"/>
+        <p:cTn id="1" dur="indefinite" restart="never" nodeType="tmRoot"/>
       </p:par>
     </p:tnLst>
   </p:timing>
@@ -4840,7 +4907,7 @@
     </p:spTree>
     <p:extLst>
       <p:ext uri="{BB962C8B-B14F-4D97-AF65-F5344CB8AC3E}">
-        <p14:creationId xmlns:p14="http://schemas.microsoft.com/office/powerpoint/2010/main" val="272175433"/>
+        <p14:creationId xmlns:p14="http://schemas.microsoft.com/office/powerpoint/2010/main" xmlns="" val="272175433"/>
       </p:ext>
     </p:extLst>
   </p:cSld>
@@ -4850,7 +4917,7 @@
   <p:timing>
     <p:tnLst>
       <p:par>
-        <p:cTn xmlns:p14="http://schemas.microsoft.com/office/powerpoint/2010/main" id="1" dur="indefinite" restart="never" nodeType="tmRoot"/>
+        <p:cTn id="1" dur="indefinite" restart="never" nodeType="tmRoot"/>
       </p:par>
     </p:tnLst>
   </p:timing>
@@ -4914,10 +4981,10 @@
           </p:nvPr>
         </p:nvPicPr>
         <p:blipFill>
-          <a:blip r:embed="rId2">
+          <a:blip r:embed="rId2" cstate="print">
             <a:extLst>
               <a:ext uri="{28A0092B-C50C-407E-A947-70E740481C1C}">
-                <a14:useLocalDpi xmlns:a14="http://schemas.microsoft.com/office/drawing/2010/main" val="0"/>
+                <a14:useLocalDpi xmlns:a14="http://schemas.microsoft.com/office/drawing/2010/main" xmlns="" val="0"/>
               </a:ext>
             </a:extLst>
           </a:blip>
@@ -4942,10 +5009,10 @@
           <p:nvPr/>
         </p:nvPicPr>
         <p:blipFill>
-          <a:blip r:embed="rId3">
+          <a:blip r:embed="rId3" cstate="print">
             <a:extLst>
               <a:ext uri="{28A0092B-C50C-407E-A947-70E740481C1C}">
-                <a14:useLocalDpi xmlns:a14="http://schemas.microsoft.com/office/drawing/2010/main" val="0"/>
+                <a14:useLocalDpi xmlns:a14="http://schemas.microsoft.com/office/drawing/2010/main" xmlns="" val="0"/>
               </a:ext>
             </a:extLst>
           </a:blip>
@@ -4966,7 +5033,7 @@
     </p:spTree>
     <p:extLst>
       <p:ext uri="{BB962C8B-B14F-4D97-AF65-F5344CB8AC3E}">
-        <p14:creationId xmlns:p14="http://schemas.microsoft.com/office/powerpoint/2010/main" val="1944621934"/>
+        <p14:creationId xmlns:p14="http://schemas.microsoft.com/office/powerpoint/2010/main" xmlns="" val="1944621934"/>
       </p:ext>
     </p:extLst>
   </p:cSld>
@@ -4976,7 +5043,7 @@
   <p:timing>
     <p:tnLst>
       <p:par>
-        <p:cTn xmlns:p14="http://schemas.microsoft.com/office/powerpoint/2010/main" id="1" dur="indefinite" restart="never" nodeType="tmRoot"/>
+        <p:cTn id="1" dur="indefinite" restart="never" nodeType="tmRoot"/>
       </p:par>
     </p:tnLst>
   </p:timing>

--- a/doc/winter_quarter_presentation.pptx
+++ b/doc/winter_quarter_presentation.pptx
@@ -369,7 +369,7 @@
     </p:spTree>
     <p:extLst>
       <p:ext uri="{BB962C8B-B14F-4D97-AF65-F5344CB8AC3E}">
-        <p14:creationId xmlns:p14="http://schemas.microsoft.com/office/powerpoint/2010/main" xmlns="" val="154004659"/>
+        <p14:creationId xmlns:p14="http://schemas.microsoft.com/office/powerpoint/2010/main" val="154004659"/>
       </p:ext>
     </p:extLst>
   </p:cSld>
@@ -525,11 +525,7 @@
           <a:p>
             <a:r>
               <a:rPr lang="en-US" baseline="0" dirty="0" smtClean="0"/>
-              <a:t>Will talk about algorithms </a:t>
-            </a:r>
-            <a:r>
-              <a:rPr lang="en-US" baseline="0" dirty="0" smtClean="0"/>
-              <a:t>later</a:t>
+              <a:t>Will talk about algorithms later</a:t>
             </a:r>
           </a:p>
           <a:p>
@@ -596,7 +592,7 @@
     </p:spTree>
     <p:extLst>
       <p:ext uri="{BB962C8B-B14F-4D97-AF65-F5344CB8AC3E}">
-        <p14:creationId xmlns:p14="http://schemas.microsoft.com/office/powerpoint/2010/main" xmlns="" val="88864018"/>
+        <p14:creationId xmlns:p14="http://schemas.microsoft.com/office/powerpoint/2010/main" val="88864018"/>
       </p:ext>
     </p:extLst>
   </p:cSld>
@@ -656,11 +652,7 @@
             </a:r>
             <a:r>
               <a:rPr lang="en-US" baseline="0" dirty="0" smtClean="0"/>
-              <a:t> flow for clients (how it’s used</a:t>
-            </a:r>
-            <a:r>
-              <a:rPr lang="en-US" baseline="0" dirty="0" smtClean="0"/>
-              <a:t>)</a:t>
+              <a:t> flow for clients (how it’s used)</a:t>
             </a:r>
           </a:p>
           <a:p>
@@ -713,7 +705,7 @@
     </p:spTree>
     <p:extLst>
       <p:ext uri="{BB962C8B-B14F-4D97-AF65-F5344CB8AC3E}">
-        <p14:creationId xmlns:p14="http://schemas.microsoft.com/office/powerpoint/2010/main" xmlns="" val="2670760965"/>
+        <p14:creationId xmlns:p14="http://schemas.microsoft.com/office/powerpoint/2010/main" val="2670760965"/>
       </p:ext>
     </p:extLst>
   </p:cSld>
@@ -806,7 +798,92 @@
     </p:spTree>
     <p:extLst>
       <p:ext uri="{BB962C8B-B14F-4D97-AF65-F5344CB8AC3E}">
-        <p14:creationId xmlns:p14="http://schemas.microsoft.com/office/powerpoint/2010/main" xmlns="" val="2612294640"/>
+        <p14:creationId xmlns:p14="http://schemas.microsoft.com/office/powerpoint/2010/main" val="2612294640"/>
+      </p:ext>
+    </p:extLst>
+  </p:cSld>
+  <p:clrMapOvr>
+    <a:masterClrMapping/>
+  </p:clrMapOvr>
+</p:notes>
+</file>
+
+<file path=ppt/notesSlides/notesSlide4.xml><?xml version="1.0" encoding="utf-8"?>
+<p:notes xmlns:a="http://schemas.openxmlformats.org/drawingml/2006/main" xmlns:r="http://schemas.openxmlformats.org/officeDocument/2006/relationships" xmlns:p="http://schemas.openxmlformats.org/presentationml/2006/main">
+  <p:cSld>
+    <p:spTree>
+      <p:nvGrpSpPr>
+        <p:cNvPr id="1" name=""/>
+        <p:cNvGrpSpPr/>
+        <p:nvPr/>
+      </p:nvGrpSpPr>
+      <p:grpSpPr>
+        <a:xfrm>
+          <a:off x="0" y="0"/>
+          <a:ext cx="0" cy="0"/>
+          <a:chOff x="0" y="0"/>
+          <a:chExt cx="0" cy="0"/>
+        </a:xfrm>
+      </p:grpSpPr>
+      <p:sp>
+        <p:nvSpPr>
+          <p:cNvPr id="2" name="Slide Image Placeholder 1"/>
+          <p:cNvSpPr>
+            <a:spLocks noGrp="1" noRot="1" noChangeAspect="1"/>
+          </p:cNvSpPr>
+          <p:nvPr>
+            <p:ph type="sldImg"/>
+          </p:nvPr>
+        </p:nvSpPr>
+        <p:spPr/>
+      </p:sp>
+      <p:sp>
+        <p:nvSpPr>
+          <p:cNvPr id="3" name="Notes Placeholder 2"/>
+          <p:cNvSpPr>
+            <a:spLocks noGrp="1"/>
+          </p:cNvSpPr>
+          <p:nvPr>
+            <p:ph type="body" idx="1"/>
+          </p:nvPr>
+        </p:nvSpPr>
+        <p:spPr/>
+        <p:txBody>
+          <a:bodyPr/>
+          <a:lstStyle/>
+          <a:p>
+            <a:endParaRPr lang="en-US" dirty="0"/>
+          </a:p>
+        </p:txBody>
+      </p:sp>
+      <p:sp>
+        <p:nvSpPr>
+          <p:cNvPr id="4" name="Slide Number Placeholder 3"/>
+          <p:cNvSpPr>
+            <a:spLocks noGrp="1"/>
+          </p:cNvSpPr>
+          <p:nvPr>
+            <p:ph type="sldNum" sz="quarter" idx="10"/>
+          </p:nvPr>
+        </p:nvSpPr>
+        <p:spPr/>
+        <p:txBody>
+          <a:bodyPr/>
+          <a:lstStyle/>
+          <a:p>
+            <a:fld id="{4B63FCE5-717F-3B46-A69D-B8B1230B7F2F}" type="slidenum">
+              <a:rPr lang="en-US" smtClean="0"/>
+              <a:pPr/>
+              <a:t>7</a:t>
+            </a:fld>
+            <a:endParaRPr lang="en-US"/>
+          </a:p>
+        </p:txBody>
+      </p:sp>
+    </p:spTree>
+    <p:extLst>
+      <p:ext uri="{BB962C8B-B14F-4D97-AF65-F5344CB8AC3E}">
+        <p14:creationId xmlns:p14="http://schemas.microsoft.com/office/powerpoint/2010/main" val="886806660"/>
       </p:ext>
     </p:extLst>
   </p:cSld>
@@ -4283,7 +4360,7 @@
     </p:spTree>
     <p:extLst>
       <p:ext uri="{BB962C8B-B14F-4D97-AF65-F5344CB8AC3E}">
-        <p14:creationId xmlns:p14="http://schemas.microsoft.com/office/powerpoint/2010/main" xmlns="" val="896442764"/>
+        <p14:creationId xmlns:p14="http://schemas.microsoft.com/office/powerpoint/2010/main" val="896442764"/>
       </p:ext>
     </p:extLst>
   </p:cSld>
@@ -4405,7 +4482,7 @@
     </p:spTree>
     <p:extLst>
       <p:ext uri="{BB962C8B-B14F-4D97-AF65-F5344CB8AC3E}">
-        <p14:creationId xmlns:p14="http://schemas.microsoft.com/office/powerpoint/2010/main" xmlns="" val="3869748282"/>
+        <p14:creationId xmlns:p14="http://schemas.microsoft.com/office/powerpoint/2010/main" val="3869748282"/>
       </p:ext>
     </p:extLst>
   </p:cSld>
@@ -4479,10 +4556,10 @@
           </p:nvPr>
         </p:nvPicPr>
         <p:blipFill>
-          <a:blip r:embed="rId3" cstate="print">
+          <a:blip r:embed="rId3" cstate="email">
             <a:extLst>
               <a:ext uri="{28A0092B-C50C-407E-A947-70E740481C1C}">
-                <a14:useLocalDpi xmlns:a14="http://schemas.microsoft.com/office/drawing/2010/main" xmlns="" val="0"/>
+                <a14:useLocalDpi xmlns:a14="http://schemas.microsoft.com/office/drawing/2010/main" val="0"/>
               </a:ext>
             </a:extLst>
           </a:blip>
@@ -4504,7 +4581,7 @@
     </p:spTree>
     <p:extLst>
       <p:ext uri="{BB962C8B-B14F-4D97-AF65-F5344CB8AC3E}">
-        <p14:creationId xmlns:p14="http://schemas.microsoft.com/office/powerpoint/2010/main" xmlns="" val="1301957777"/>
+        <p14:creationId xmlns:p14="http://schemas.microsoft.com/office/powerpoint/2010/main" val="1301957777"/>
       </p:ext>
     </p:extLst>
   </p:cSld>
@@ -4651,7 +4728,7 @@
     </p:spTree>
     <p:extLst>
       <p:ext uri="{BB962C8B-B14F-4D97-AF65-F5344CB8AC3E}">
-        <p14:creationId xmlns:p14="http://schemas.microsoft.com/office/powerpoint/2010/main" xmlns="" val="162784289"/>
+        <p14:creationId xmlns:p14="http://schemas.microsoft.com/office/powerpoint/2010/main" val="162784289"/>
       </p:ext>
     </p:extLst>
   </p:cSld>
@@ -4728,7 +4805,7 @@
           <a:blip r:embed="rId2" cstate="print">
             <a:extLst>
               <a:ext uri="{28A0092B-C50C-407E-A947-70E740481C1C}">
-                <a14:useLocalDpi xmlns:a14="http://schemas.microsoft.com/office/drawing/2010/main" xmlns="" val="0"/>
+                <a14:useLocalDpi xmlns:a14="http://schemas.microsoft.com/office/drawing/2010/main" val="0"/>
               </a:ext>
             </a:extLst>
           </a:blip>
@@ -4747,7 +4824,7 @@
     </p:spTree>
     <p:extLst>
       <p:ext uri="{BB962C8B-B14F-4D97-AF65-F5344CB8AC3E}">
-        <p14:creationId xmlns:p14="http://schemas.microsoft.com/office/powerpoint/2010/main" xmlns="" val="3320568816"/>
+        <p14:creationId xmlns:p14="http://schemas.microsoft.com/office/powerpoint/2010/main" val="3320568816"/>
       </p:ext>
     </p:extLst>
   </p:cSld>
@@ -4799,7 +4876,7 @@
             <a:pPr algn="ctr"/>
             <a:r>
               <a:rPr lang="en-US" cap="none" dirty="0" smtClean="0"/>
-              <a:t>Algorithms (change slide)</a:t>
+              <a:t>Image Recognition</a:t>
             </a:r>
             <a:endParaRPr lang="en-US" cap="none" dirty="0"/>
           </a:p>
@@ -4820,14 +4897,96 @@
           <a:bodyPr/>
           <a:lstStyle/>
           <a:p>
-            <a:endParaRPr lang="en-US" dirty="0"/>
+            <a:r>
+              <a:rPr lang="en-US" dirty="0" smtClean="0"/>
+              <a:t>Transform angled photo to flat—simple matrix transform</a:t>
+            </a:r>
+          </a:p>
+          <a:p>
+            <a:endParaRPr lang="en-US" dirty="0"/>
+          </a:p>
+          <a:p>
+            <a:r>
+              <a:rPr lang="en-US" dirty="0" smtClean="0"/>
+              <a:t>Currently using </a:t>
+            </a:r>
+            <a:r>
+              <a:rPr lang="en-US" dirty="0" err="1" smtClean="0"/>
+              <a:t>Laplacian</a:t>
+            </a:r>
+            <a:r>
+              <a:rPr lang="en-US" dirty="0" smtClean="0"/>
+              <a:t> of Gaussian to find dots</a:t>
+            </a:r>
+          </a:p>
+          <a:p>
+            <a:pPr lvl="1"/>
+            <a:r>
+              <a:rPr lang="en-US" dirty="0" smtClean="0"/>
+              <a:t>Make the image grayscale, then find regions with abnormally low areas of light</a:t>
+            </a:r>
+          </a:p>
+          <a:p>
+            <a:pPr lvl="1"/>
+            <a:r>
+              <a:rPr lang="en-US" dirty="0" smtClean="0"/>
+              <a:t>Check to see if </a:t>
+            </a:r>
+            <a:r>
+              <a:rPr lang="en-US" smtClean="0"/>
+              <a:t>they’re dot-shaped. </a:t>
+            </a:r>
+            <a:endParaRPr lang="en-US" dirty="0" smtClean="0"/>
+          </a:p>
+          <a:p>
+            <a:endParaRPr lang="en-US" dirty="0"/>
+          </a:p>
+          <a:p>
+            <a:r>
+              <a:rPr lang="en-US" dirty="0" smtClean="0"/>
+              <a:t>Investigating Lindberg’s algorithm for more robust </a:t>
+            </a:r>
+            <a:r>
+              <a:rPr lang="en-US" dirty="0"/>
+              <a:t>blob </a:t>
+            </a:r>
+            <a:r>
+              <a:rPr lang="en-US" dirty="0" smtClean="0"/>
+              <a:t>recognition, from </a:t>
+            </a:r>
+            <a:r>
+              <a:rPr lang="en-US" dirty="0"/>
+              <a:t>“Discrete Scale-Space Theory and the Scale-Space Primal </a:t>
+            </a:r>
+            <a:r>
+              <a:rPr lang="en-US" dirty="0" smtClean="0"/>
+              <a:t>Sketch”</a:t>
+            </a:r>
+          </a:p>
+          <a:p>
+            <a:endParaRPr lang="en-US" dirty="0"/>
+          </a:p>
+          <a:p>
+            <a:endParaRPr lang="en-US" dirty="0" smtClean="0"/>
+          </a:p>
+          <a:p>
+            <a:endParaRPr lang="en-US" dirty="0"/>
+          </a:p>
+          <a:p>
+            <a:endParaRPr lang="en-US" dirty="0"/>
+          </a:p>
+          <a:p>
+            <a:endParaRPr lang="en-US" dirty="0"/>
+          </a:p>
+          <a:p>
+            <a:endParaRPr lang="en-US" dirty="0" smtClean="0"/>
           </a:p>
         </p:txBody>
       </p:sp>
     </p:spTree>
     <p:extLst>
       <p:ext uri="{BB962C8B-B14F-4D97-AF65-F5344CB8AC3E}">
-        <p14:creationId xmlns:p14="http://schemas.microsoft.com/office/powerpoint/2010/main" xmlns="" val="924730003"/>
+        <p14:creationId xmlns:p14="http://schemas.microsoft.com/office/powerpoint/2010/main" val="924730003"/>
       </p:ext>
     </p:extLst>
   </p:cSld>
@@ -4879,7 +5038,7 @@
             <a:pPr algn="ctr"/>
             <a:r>
               <a:rPr lang="en-US" cap="none" dirty="0" smtClean="0"/>
-              <a:t>Algorithms (change slide)</a:t>
+              <a:t>Statistics	</a:t>
             </a:r>
             <a:endParaRPr lang="en-US" cap="none" dirty="0"/>
           </a:p>
@@ -4900,14 +5059,123 @@
           <a:bodyPr/>
           <a:lstStyle/>
           <a:p>
-            <a:endParaRPr lang="en-US" dirty="0"/>
-          </a:p>
-        </p:txBody>
-      </p:sp>
+            <a:r>
+              <a:rPr lang="en-US" dirty="0" smtClean="0"/>
+              <a:t>Chi-squared for single-cluster analysis</a:t>
+            </a:r>
+          </a:p>
+          <a:p>
+            <a:pPr lvl="1"/>
+            <a:r>
+              <a:rPr lang="en-US" dirty="0" smtClean="0"/>
+              <a:t>Linearity unimportant</a:t>
+            </a:r>
+            <a:br>
+              <a:rPr lang="en-US" dirty="0" smtClean="0"/>
+            </a:br>
+            <a:endParaRPr lang="en-US" dirty="0" smtClean="0"/>
+          </a:p>
+          <a:p>
+            <a:r>
+              <a:rPr lang="en-US" dirty="0" smtClean="0"/>
+              <a:t>OPTICS to find multiple clusters</a:t>
+            </a:r>
+            <a:br>
+              <a:rPr lang="en-US" dirty="0" smtClean="0"/>
+            </a:br>
+            <a:endParaRPr lang="en-US" dirty="0" smtClean="0"/>
+          </a:p>
+          <a:p>
+            <a:r>
+              <a:rPr lang="en-US" dirty="0" smtClean="0"/>
+              <a:t>Potential for time-based linear regressions on</a:t>
+            </a:r>
+          </a:p>
+          <a:p>
+            <a:pPr marL="0" indent="0">
+              <a:buNone/>
+            </a:pPr>
+            <a:r>
+              <a:rPr lang="en-US" dirty="0" smtClean="0"/>
+              <a:t>       users’ progress over time</a:t>
+            </a:r>
+          </a:p>
+          <a:p>
+            <a:pPr marL="0" indent="0">
+              <a:buNone/>
+            </a:pPr>
+            <a:endParaRPr lang="en-US" dirty="0" smtClean="0"/>
+          </a:p>
+          <a:p>
+            <a:endParaRPr lang="en-US" b="1" dirty="0"/>
+          </a:p>
+        </p:txBody>
+      </p:sp>
+      <p:pic>
+        <p:nvPicPr>
+          <p:cNvPr id="1026" name="Picture 2"/>
+          <p:cNvPicPr>
+            <a:picLocks noChangeAspect="1" noChangeArrowheads="1"/>
+          </p:cNvPicPr>
+          <p:nvPr/>
+        </p:nvPicPr>
+        <p:blipFill>
+          <a:blip r:embed="rId3">
+            <a:extLst>
+              <a:ext uri="{28A0092B-C50C-407E-A947-70E740481C1C}">
+                <a14:useLocalDpi xmlns:a14="http://schemas.microsoft.com/office/drawing/2010/main" val="0"/>
+              </a:ext>
+            </a:extLst>
+          </a:blip>
+          <a:srcRect/>
+          <a:stretch>
+            <a:fillRect/>
+          </a:stretch>
+        </p:blipFill>
+        <p:spPr bwMode="auto">
+          <a:xfrm>
+            <a:off x="5545455" y="2284095"/>
+            <a:ext cx="3333750" cy="3248025"/>
+          </a:xfrm>
+          <a:prstGeom prst="rect">
+            <a:avLst/>
+          </a:prstGeom>
+          <a:noFill/>
+          <a:ln w="28575">
+            <a:solidFill>
+              <a:schemeClr val="tx2">
+                <a:lumMod val="75000"/>
+              </a:schemeClr>
+            </a:solidFill>
+            <a:miter lim="800000"/>
+            <a:headEnd/>
+            <a:tailEnd/>
+          </a:ln>
+          <a:effectLst/>
+          <a:extLst>
+            <a:ext uri="{909E8E84-426E-40DD-AFC4-6F175D3DCCD1}">
+              <a14:hiddenFill xmlns:a14="http://schemas.microsoft.com/office/drawing/2010/main">
+                <a:solidFill>
+                  <a:schemeClr val="accent1"/>
+                </a:solidFill>
+              </a14:hiddenFill>
+            </a:ext>
+            <a:ext uri="{AF507438-7753-43E0-B8FC-AC1667EBCBE1}">
+              <a14:hiddenEffects xmlns:a14="http://schemas.microsoft.com/office/drawing/2010/main">
+                <a:effectLst>
+                  <a:outerShdw dist="35921" dir="2700000" algn="ctr" rotWithShape="0">
+                    <a:schemeClr val="bg2"/>
+                  </a:outerShdw>
+                </a:effectLst>
+              </a14:hiddenEffects>
+            </a:ext>
+          </a:extLst>
+        </p:spPr>
+      </p:pic>
     </p:spTree>
     <p:extLst>
       <p:ext uri="{BB962C8B-B14F-4D97-AF65-F5344CB8AC3E}">
-        <p14:creationId xmlns:p14="http://schemas.microsoft.com/office/powerpoint/2010/main" xmlns="" val="272175433"/>
+        <p14:creationId xmlns:p14="http://schemas.microsoft.com/office/powerpoint/2010/main" val="272175433"/>
       </p:ext>
     </p:extLst>
   </p:cSld>
@@ -4981,10 +5249,10 @@
           </p:nvPr>
         </p:nvPicPr>
         <p:blipFill>
-          <a:blip r:embed="rId2" cstate="print">
+          <a:blip r:embed="rId2" cstate="email">
             <a:extLst>
               <a:ext uri="{28A0092B-C50C-407E-A947-70E740481C1C}">
-                <a14:useLocalDpi xmlns:a14="http://schemas.microsoft.com/office/drawing/2010/main" xmlns="" val="0"/>
+                <a14:useLocalDpi xmlns:a14="http://schemas.microsoft.com/office/drawing/2010/main" val="0"/>
               </a:ext>
             </a:extLst>
           </a:blip>
@@ -5009,10 +5277,10 @@
           <p:nvPr/>
         </p:nvPicPr>
         <p:blipFill>
-          <a:blip r:embed="rId3" cstate="print">
+          <a:blip r:embed="rId3" cstate="email">
             <a:extLst>
               <a:ext uri="{28A0092B-C50C-407E-A947-70E740481C1C}">
-                <a14:useLocalDpi xmlns:a14="http://schemas.microsoft.com/office/drawing/2010/main" xmlns="" val="0"/>
+                <a14:useLocalDpi xmlns:a14="http://schemas.microsoft.com/office/drawing/2010/main" val="0"/>
               </a:ext>
             </a:extLst>
           </a:blip>
@@ -5033,7 +5301,7 @@
     </p:spTree>
     <p:extLst>
       <p:ext uri="{BB962C8B-B14F-4D97-AF65-F5344CB8AC3E}">
-        <p14:creationId xmlns:p14="http://schemas.microsoft.com/office/powerpoint/2010/main" xmlns="" val="1944621934"/>
+        <p14:creationId xmlns:p14="http://schemas.microsoft.com/office/powerpoint/2010/main" val="1944621934"/>
       </p:ext>
     </p:extLst>
   </p:cSld>

--- a/doc/winter_quarter_presentation.pptx
+++ b/doc/winter_quarter_presentation.pptx
@@ -5,7 +5,7 @@
     <p:sldMasterId id="2147484728" r:id="rId1"/>
   </p:sldMasterIdLst>
   <p:notesMasterIdLst>
-    <p:notesMasterId r:id="rId10"/>
+    <p:notesMasterId r:id="rId11"/>
   </p:notesMasterIdLst>
   <p:sldIdLst>
     <p:sldId id="256" r:id="rId2"/>
@@ -15,7 +15,8 @@
     <p:sldId id="258" r:id="rId6"/>
     <p:sldId id="261" r:id="rId7"/>
     <p:sldId id="262" r:id="rId8"/>
-    <p:sldId id="263" r:id="rId9"/>
+    <p:sldId id="264" r:id="rId9"/>
+    <p:sldId id="263" r:id="rId10"/>
   </p:sldIdLst>
   <p:sldSz cx="9144000" cy="6858000" type="screen4x3"/>
   <p:notesSz cx="6858000" cy="9144000"/>
@@ -200,7 +201,7 @@
             <a:fld id="{132F18A9-51DA-6A43-BB36-FA5764556C53}" type="datetimeFigureOut">
               <a:rPr lang="en-US" smtClean="0"/>
               <a:pPr/>
-              <a:t>1/11/2012</a:t>
+              <a:t>1/11/12</a:t>
             </a:fld>
             <a:endParaRPr lang="en-US"/>
           </a:p>
@@ -893,6 +894,159 @@
 </p:notes>
 </file>
 
+<file path=ppt/notesSlides/notesSlide5.xml><?xml version="1.0" encoding="utf-8"?>
+<p:notes xmlns:a="http://schemas.openxmlformats.org/drawingml/2006/main" xmlns:r="http://schemas.openxmlformats.org/officeDocument/2006/relationships" xmlns:p="http://schemas.openxmlformats.org/presentationml/2006/main">
+  <p:cSld>
+    <p:spTree>
+      <p:nvGrpSpPr>
+        <p:cNvPr id="1" name=""/>
+        <p:cNvGrpSpPr/>
+        <p:nvPr/>
+      </p:nvGrpSpPr>
+      <p:grpSpPr>
+        <a:xfrm>
+          <a:off x="0" y="0"/>
+          <a:ext cx="0" cy="0"/>
+          <a:chOff x="0" y="0"/>
+          <a:chExt cx="0" cy="0"/>
+        </a:xfrm>
+      </p:grpSpPr>
+      <p:sp>
+        <p:nvSpPr>
+          <p:cNvPr id="2" name="Slide Image Placeholder 1"/>
+          <p:cNvSpPr>
+            <a:spLocks noGrp="1" noRot="1" noChangeAspect="1"/>
+          </p:cNvSpPr>
+          <p:nvPr>
+            <p:ph type="sldImg"/>
+          </p:nvPr>
+        </p:nvSpPr>
+        <p:spPr/>
+      </p:sp>
+      <p:sp>
+        <p:nvSpPr>
+          <p:cNvPr id="3" name="Notes Placeholder 2"/>
+          <p:cNvSpPr>
+            <a:spLocks noGrp="1"/>
+          </p:cNvSpPr>
+          <p:nvPr>
+            <p:ph type="body" idx="1"/>
+          </p:nvPr>
+        </p:nvSpPr>
+        <p:spPr/>
+        <p:txBody>
+          <a:bodyPr/>
+          <a:lstStyle/>
+          <a:p>
+            <a:r>
+              <a:rPr lang="en-US" dirty="0" smtClean="0"/>
+              <a:t>Report would</a:t>
+            </a:r>
+            <a:r>
+              <a:rPr lang="en-US" baseline="0" dirty="0" smtClean="0"/>
+              <a:t> be attached to e-mail</a:t>
+            </a:r>
+          </a:p>
+          <a:p>
+            <a:r>
+              <a:rPr lang="en-US" baseline="0" dirty="0" smtClean="0"/>
+              <a:t>	if separate image, would be attached to same message</a:t>
+            </a:r>
+          </a:p>
+          <a:p>
+            <a:endParaRPr lang="en-US" baseline="0" dirty="0" smtClean="0"/>
+          </a:p>
+          <a:p>
+            <a:r>
+              <a:rPr lang="en-US" baseline="0" dirty="0" smtClean="0"/>
+              <a:t>CSV also an option, but doesn’t allow for formatting</a:t>
+            </a:r>
+          </a:p>
+          <a:p>
+            <a:endParaRPr lang="en-US" baseline="0" dirty="0" smtClean="0"/>
+          </a:p>
+          <a:p>
+            <a:r>
+              <a:rPr lang="en-US" baseline="0" dirty="0" smtClean="0"/>
+              <a:t>Not sure what version of Excel client would be using</a:t>
+            </a:r>
+          </a:p>
+          <a:p>
+            <a:r>
+              <a:rPr lang="en-US" baseline="0" dirty="0" smtClean="0"/>
+              <a:t>	.</a:t>
+            </a:r>
+            <a:r>
+              <a:rPr lang="en-US" baseline="0" dirty="0" err="1" smtClean="0"/>
+              <a:t>xls</a:t>
+            </a:r>
+            <a:r>
+              <a:rPr lang="en-US" baseline="0" dirty="0" smtClean="0"/>
+              <a:t> and Office XML have been supported for a while</a:t>
+            </a:r>
+          </a:p>
+          <a:p>
+            <a:r>
+              <a:rPr lang="en-US" baseline="0" dirty="0" smtClean="0"/>
+              <a:t>	Should probably avoid .</a:t>
+            </a:r>
+            <a:r>
+              <a:rPr lang="en-US" baseline="0" dirty="0" err="1" smtClean="0"/>
+              <a:t>xlsx</a:t>
+            </a:r>
+            <a:r>
+              <a:rPr lang="en-US" baseline="0" dirty="0" smtClean="0"/>
+              <a:t> (2007 </a:t>
+            </a:r>
+            <a:r>
+              <a:rPr lang="en-US" baseline="0" smtClean="0"/>
+              <a:t>and above </a:t>
+            </a:r>
+            <a:r>
+              <a:rPr lang="en-US" baseline="0" dirty="0" smtClean="0"/>
+              <a:t>format)</a:t>
+            </a:r>
+            <a:endParaRPr lang="en-US" dirty="0"/>
+          </a:p>
+        </p:txBody>
+      </p:sp>
+      <p:sp>
+        <p:nvSpPr>
+          <p:cNvPr id="4" name="Slide Number Placeholder 3"/>
+          <p:cNvSpPr>
+            <a:spLocks noGrp="1"/>
+          </p:cNvSpPr>
+          <p:nvPr>
+            <p:ph type="sldNum" sz="quarter" idx="10"/>
+          </p:nvPr>
+        </p:nvSpPr>
+        <p:spPr/>
+        <p:txBody>
+          <a:bodyPr/>
+          <a:lstStyle/>
+          <a:p>
+            <a:fld id="{4B63FCE5-717F-3B46-A69D-B8B1230B7F2F}" type="slidenum">
+              <a:rPr lang="en-US" smtClean="0"/>
+              <a:pPr/>
+              <a:t>8</a:t>
+            </a:fld>
+            <a:endParaRPr lang="en-US"/>
+          </a:p>
+        </p:txBody>
+      </p:sp>
+    </p:spTree>
+    <p:extLst>
+      <p:ext uri="{BB962C8B-B14F-4D97-AF65-F5344CB8AC3E}">
+        <p14:creationId xmlns:p14="http://schemas.microsoft.com/office/powerpoint/2010/main" val="3399712429"/>
+      </p:ext>
+    </p:extLst>
+  </p:cSld>
+  <p:clrMapOvr>
+    <a:masterClrMapping/>
+  </p:clrMapOvr>
+</p:notes>
+</file>
+
 <file path=ppt/slideLayouts/slideLayout1.xml><?xml version="1.0" encoding="utf-8"?>
 <p:sldLayout xmlns:a="http://schemas.openxmlformats.org/drawingml/2006/main" xmlns:r="http://schemas.openxmlformats.org/officeDocument/2006/relationships" xmlns:p="http://schemas.openxmlformats.org/presentationml/2006/main" showMasterSp="0" type="title" preserve="1">
   <p:cSld name="Title Slide">
@@ -953,7 +1107,7 @@
             <a:fld id="{2233D26B-DFC2-4248-8ED0-AD3E108CBDD7}" type="datetime1">
               <a:rPr lang="en-US" smtClean="0"/>
               <a:pPr/>
-              <a:t>1/11/2012</a:t>
+              <a:t>1/11/12</a:t>
             </a:fld>
             <a:endParaRPr lang="en-US" dirty="0"/>
           </a:p>
@@ -1271,7 +1425,7 @@
             <a:fld id="{E694C003-38E8-486A-9BFD-47E55D87241C}" type="datetime1">
               <a:rPr lang="en-US" smtClean="0"/>
               <a:pPr/>
-              <a:t>1/11/2012</a:t>
+              <a:t>1/11/12</a:t>
             </a:fld>
             <a:endParaRPr lang="en-US" dirty="0"/>
           </a:p>
@@ -1448,7 +1602,7 @@
             <a:fld id="{E059EAA3-934B-41DB-B3B1-806F4BE5CC37}" type="datetime1">
               <a:rPr lang="en-US" smtClean="0"/>
               <a:pPr/>
-              <a:t>1/11/2012</a:t>
+              <a:t>1/11/12</a:t>
             </a:fld>
             <a:endParaRPr lang="en-US" dirty="0"/>
           </a:p>
@@ -1568,7 +1722,7 @@
             <a:fld id="{8F97F932-D99A-4087-BFB1-EA42FAFC8D2C}" type="datetime1">
               <a:rPr lang="en-US" smtClean="0"/>
               <a:pPr/>
-              <a:t>1/11/2012</a:t>
+              <a:t>1/11/12</a:t>
             </a:fld>
             <a:endParaRPr lang="en-US" dirty="0"/>
           </a:p>
@@ -1868,7 +2022,7 @@
             <a:fld id="{79C96367-2F2B-4F6E-ACF4-15FA13738E10}" type="datetime1">
               <a:rPr lang="en-US" smtClean="0"/>
               <a:pPr/>
-              <a:t>1/11/2012</a:t>
+              <a:t>1/11/12</a:t>
             </a:fld>
             <a:endParaRPr lang="en-US" dirty="0"/>
           </a:p>
@@ -2163,7 +2317,7 @@
             <a:fld id="{8FB3498D-21C7-408B-8EF5-5B55DEF0BFD5}" type="datetime1">
               <a:rPr lang="en-US" smtClean="0"/>
               <a:pPr/>
-              <a:t>1/11/2012</a:t>
+              <a:t>1/11/12</a:t>
             </a:fld>
             <a:endParaRPr lang="en-US" dirty="0"/>
           </a:p>
@@ -2593,7 +2747,7 @@
             <a:fld id="{84DB246E-8FD1-42FF-94A4-E4133095C37A}" type="datetime1">
               <a:rPr lang="en-US" smtClean="0"/>
               <a:pPr/>
-              <a:t>1/11/2012</a:t>
+              <a:t>1/11/12</a:t>
             </a:fld>
             <a:endParaRPr lang="en-US" dirty="0"/>
           </a:p>
@@ -2713,7 +2867,7 @@
             <a:fld id="{A93939D4-B818-4372-B1EE-7CB6D5BBC74A}" type="datetime1">
               <a:rPr lang="en-US" smtClean="0"/>
               <a:pPr/>
-              <a:t>1/11/2012</a:t>
+              <a:t>1/11/12</a:t>
             </a:fld>
             <a:endParaRPr lang="en-US" dirty="0"/>
           </a:p>
@@ -2805,7 +2959,7 @@
             <a:fld id="{2F35E438-4D0D-4834-B658-A90420491D98}" type="datetime1">
               <a:rPr lang="en-US" smtClean="0"/>
               <a:pPr/>
-              <a:t>1/11/2012</a:t>
+              <a:t>1/11/12</a:t>
             </a:fld>
             <a:endParaRPr lang="en-US" dirty="0"/>
           </a:p>
@@ -3057,7 +3211,7 @@
             <a:fld id="{76F8ADFA-7142-4015-85E6-1712F15FA709}" type="datetime1">
               <a:rPr lang="en-US" smtClean="0"/>
               <a:pPr/>
-              <a:t>1/11/2012</a:t>
+              <a:t>1/11/12</a:t>
             </a:fld>
             <a:endParaRPr lang="en-US" dirty="0"/>
           </a:p>
@@ -3575,7 +3729,7 @@
             <a:fld id="{34A581E0-D653-4D78-A48F-41D80498BC7E}" type="datetime1">
               <a:rPr lang="en-US" smtClean="0"/>
               <a:pPr/>
-              <a:t>1/11/2012</a:t>
+              <a:t>1/11/12</a:t>
             </a:fld>
             <a:endParaRPr lang="en-US" dirty="0"/>
           </a:p>
@@ -3807,7 +3961,7 @@
             <a:fld id="{8B3AFFF1-9C47-49F0-AE12-AF188F3F4E82}" type="datetime1">
               <a:rPr lang="en-US" smtClean="0"/>
               <a:pPr/>
-              <a:t>1/11/2012</a:t>
+              <a:t>1/11/12</a:t>
             </a:fld>
             <a:endParaRPr lang="en-US" dirty="0"/>
           </a:p>
@@ -4370,7 +4524,7 @@
   <p:timing>
     <p:tnLst>
       <p:par>
-        <p:cTn id="1" dur="indefinite" restart="never" nodeType="tmRoot"/>
+        <p:cTn xmlns:p14="http://schemas.microsoft.com/office/powerpoint/2010/main" id="1" dur="indefinite" restart="never" nodeType="tmRoot"/>
       </p:par>
     </p:tnLst>
   </p:timing>
@@ -4492,7 +4646,7 @@
   <p:timing>
     <p:tnLst>
       <p:par>
-        <p:cTn id="1" dur="indefinite" restart="never" nodeType="tmRoot"/>
+        <p:cTn xmlns:p14="http://schemas.microsoft.com/office/powerpoint/2010/main" id="1" dur="indefinite" restart="never" nodeType="tmRoot"/>
       </p:par>
     </p:tnLst>
   </p:timing>
@@ -4591,7 +4745,7 @@
   <p:timing>
     <p:tnLst>
       <p:par>
-        <p:cTn id="1" dur="indefinite" restart="never" nodeType="tmRoot"/>
+        <p:cTn xmlns:p14="http://schemas.microsoft.com/office/powerpoint/2010/main" id="1" dur="indefinite" restart="never" nodeType="tmRoot"/>
       </p:par>
     </p:tnLst>
   </p:timing>
@@ -4738,7 +4892,7 @@
   <p:timing>
     <p:tnLst>
       <p:par>
-        <p:cTn id="1" dur="indefinite" restart="never" nodeType="tmRoot"/>
+        <p:cTn xmlns:p14="http://schemas.microsoft.com/office/powerpoint/2010/main" id="1" dur="indefinite" restart="never" nodeType="tmRoot"/>
       </p:par>
     </p:tnLst>
   </p:timing>
@@ -4834,7 +4988,7 @@
   <p:timing>
     <p:tnLst>
       <p:par>
-        <p:cTn id="1" dur="indefinite" restart="never" nodeType="tmRoot"/>
+        <p:cTn xmlns:p14="http://schemas.microsoft.com/office/powerpoint/2010/main" id="1" dur="indefinite" restart="never" nodeType="tmRoot"/>
       </p:par>
     </p:tnLst>
   </p:timing>
@@ -4996,7 +5150,7 @@
   <p:timing>
     <p:tnLst>
       <p:par>
-        <p:cTn id="1" dur="indefinite" restart="never" nodeType="tmRoot"/>
+        <p:cTn xmlns:p14="http://schemas.microsoft.com/office/powerpoint/2010/main" id="1" dur="indefinite" restart="never" nodeType="tmRoot"/>
       </p:par>
     </p:tnLst>
   </p:timing>
@@ -5153,14 +5307,14 @@
           </a:ln>
           <a:effectLst/>
           <a:extLst>
-            <a:ext uri="{909E8E84-426E-40DD-AFC4-6F175D3DCCD1}">
+            <a:ext uri="{909E8E84-426E-40dd-AFC4-6F175D3DCCD1}">
               <a14:hiddenFill xmlns:a14="http://schemas.microsoft.com/office/drawing/2010/main">
                 <a:solidFill>
                   <a:schemeClr val="accent1"/>
                 </a:solidFill>
               </a14:hiddenFill>
             </a:ext>
-            <a:ext uri="{AF507438-7753-43E0-B8FC-AC1667EBCBE1}">
+            <a:ext uri="{AF507438-7753-43e0-B8FC-AC1667EBCBE1}">
               <a14:hiddenEffects xmlns:a14="http://schemas.microsoft.com/office/drawing/2010/main">
                 <a:effectLst>
                   <a:outerShdw dist="35921" dir="2700000" algn="ctr" rotWithShape="0">
@@ -5185,7 +5339,7 @@
   <p:timing>
     <p:tnLst>
       <p:par>
-        <p:cTn id="1" dur="indefinite" restart="never" nodeType="tmRoot"/>
+        <p:cTn xmlns:p14="http://schemas.microsoft.com/office/powerpoint/2010/main" id="1" dur="indefinite" restart="never" nodeType="tmRoot"/>
       </p:par>
     </p:tnLst>
   </p:timing>
@@ -5193,6 +5347,153 @@
 </file>
 
 <file path=ppt/slides/slide8.xml><?xml version="1.0" encoding="utf-8"?>
+<p:sld xmlns:a="http://schemas.openxmlformats.org/drawingml/2006/main" xmlns:r="http://schemas.openxmlformats.org/officeDocument/2006/relationships" xmlns:p="http://schemas.openxmlformats.org/presentationml/2006/main">
+  <p:cSld>
+    <p:spTree>
+      <p:nvGrpSpPr>
+        <p:cNvPr id="1" name=""/>
+        <p:cNvGrpSpPr/>
+        <p:nvPr/>
+      </p:nvGrpSpPr>
+      <p:grpSpPr>
+        <a:xfrm>
+          <a:off x="0" y="0"/>
+          <a:ext cx="0" cy="0"/>
+          <a:chOff x="0" y="0"/>
+          <a:chExt cx="0" cy="0"/>
+        </a:xfrm>
+      </p:grpSpPr>
+      <p:sp>
+        <p:nvSpPr>
+          <p:cNvPr id="2" name="Title 1"/>
+          <p:cNvSpPr>
+            <a:spLocks noGrp="1"/>
+          </p:cNvSpPr>
+          <p:nvPr>
+            <p:ph type="title"/>
+          </p:nvPr>
+        </p:nvSpPr>
+        <p:spPr/>
+        <p:txBody>
+          <a:bodyPr/>
+          <a:lstStyle/>
+          <a:p>
+            <a:pPr algn="ctr"/>
+            <a:r>
+              <a:rPr lang="en-US" cap="none" dirty="0" smtClean="0"/>
+              <a:t>Exporting to Excel</a:t>
+            </a:r>
+            <a:endParaRPr lang="en-US" cap="none" dirty="0"/>
+          </a:p>
+        </p:txBody>
+      </p:sp>
+      <p:sp>
+        <p:nvSpPr>
+          <p:cNvPr id="3" name="Content Placeholder 2"/>
+          <p:cNvSpPr>
+            <a:spLocks noGrp="1"/>
+          </p:cNvSpPr>
+          <p:nvPr>
+            <p:ph sz="quarter" idx="13"/>
+          </p:nvPr>
+        </p:nvSpPr>
+        <p:spPr/>
+        <p:txBody>
+          <a:bodyPr/>
+          <a:lstStyle/>
+          <a:p>
+            <a:r>
+              <a:rPr lang="en-US" dirty="0" smtClean="0"/>
+              <a:t>Client wants to be able to view a report in Excel</a:t>
+            </a:r>
+          </a:p>
+          <a:p>
+            <a:pPr lvl="1"/>
+            <a:r>
+              <a:rPr lang="en-US" dirty="0" smtClean="0"/>
+              <a:t>Would prefer embedded target image, but is flexible</a:t>
+            </a:r>
+          </a:p>
+          <a:p>
+            <a:r>
+              <a:rPr lang="en-US" dirty="0" smtClean="0"/>
+              <a:t>Currently looking at 2 possibilities</a:t>
+            </a:r>
+          </a:p>
+          <a:p>
+            <a:pPr lvl="1"/>
+            <a:r>
+              <a:rPr lang="en-US" dirty="0" smtClean="0"/>
+              <a:t>.</a:t>
+            </a:r>
+            <a:r>
+              <a:rPr lang="en-US" dirty="0" err="1" smtClean="0"/>
+              <a:t>xls</a:t>
+            </a:r>
+            <a:r>
+              <a:rPr lang="en-US" dirty="0" smtClean="0"/>
+              <a:t> binary format (Excel 2003 and below)</a:t>
+            </a:r>
+          </a:p>
+          <a:p>
+            <a:pPr lvl="2"/>
+            <a:r>
+              <a:rPr lang="en-US" dirty="0" smtClean="0"/>
+              <a:t>Still looking for a viable library</a:t>
+            </a:r>
+          </a:p>
+          <a:p>
+            <a:pPr lvl="2"/>
+            <a:r>
+              <a:rPr lang="en-US" dirty="0" smtClean="0"/>
+              <a:t>May allow for embedding of image</a:t>
+            </a:r>
+          </a:p>
+          <a:p>
+            <a:pPr lvl="1"/>
+            <a:r>
+              <a:rPr lang="en-US" dirty="0" smtClean="0"/>
+              <a:t>Office XML format</a:t>
+            </a:r>
+          </a:p>
+          <a:p>
+            <a:pPr lvl="2"/>
+            <a:r>
+              <a:rPr lang="en-US" dirty="0" smtClean="0"/>
+              <a:t>Cannot embed image</a:t>
+            </a:r>
+          </a:p>
+          <a:p>
+            <a:pPr lvl="2"/>
+            <a:r>
+              <a:rPr lang="en-US" dirty="0" smtClean="0"/>
+              <a:t>Can be created using plain text</a:t>
+            </a:r>
+          </a:p>
+          <a:p>
+            <a:pPr lvl="3"/>
+            <a:r>
+              <a:rPr lang="en-US" dirty="0" smtClean="0"/>
+              <a:t>No library needed</a:t>
+            </a:r>
+            <a:endParaRPr lang="en-US" dirty="0"/>
+          </a:p>
+        </p:txBody>
+      </p:sp>
+    </p:spTree>
+    <p:extLst>
+      <p:ext uri="{BB962C8B-B14F-4D97-AF65-F5344CB8AC3E}">
+        <p14:creationId xmlns:p14="http://schemas.microsoft.com/office/powerpoint/2010/main" val="2315570981"/>
+      </p:ext>
+    </p:extLst>
+  </p:cSld>
+  <p:clrMapOvr>
+    <a:masterClrMapping/>
+  </p:clrMapOvr>
+</p:sld>
+</file>
+
+<file path=ppt/slides/slide9.xml><?xml version="1.0" encoding="utf-8"?>
 <p:sld xmlns:a="http://schemas.openxmlformats.org/drawingml/2006/main" xmlns:r="http://schemas.openxmlformats.org/officeDocument/2006/relationships" xmlns:p="http://schemas.openxmlformats.org/presentationml/2006/main">
   <p:cSld>
     <p:spTree>
@@ -5311,7 +5612,7 @@
   <p:timing>
     <p:tnLst>
       <p:par>
-        <p:cTn id="1" dur="indefinite" restart="never" nodeType="tmRoot"/>
+        <p:cTn xmlns:p14="http://schemas.microsoft.com/office/powerpoint/2010/main" id="1" dur="indefinite" restart="never" nodeType="tmRoot"/>
       </p:par>
     </p:tnLst>
   </p:timing>
